--- a/3. CSS/Slides/CSS Grundlagen 2.pptx
+++ b/3. CSS/Slides/CSS Grundlagen 2.pptx
@@ -299,7 +299,7 @@
           <a:p>
             <a:fld id="{B6D41BCC-AD73-4203-A5A6-E62EB28B0FE6}" type="datetimeFigureOut">
               <a:rPr lang="en-US" smtClean="0"/>
-              <a:t>10/7/2023</a:t>
+              <a:t>10/15/2024</a:t>
             </a:fld>
             <a:endParaRPr lang="en-US"/>
           </a:p>
@@ -507,7 +507,7 @@
           <a:p>
             <a:fld id="{B6D41BCC-AD73-4203-A5A6-E62EB28B0FE6}" type="datetimeFigureOut">
               <a:rPr lang="en-US" smtClean="0"/>
-              <a:t>10/7/2023</a:t>
+              <a:t>10/15/2024</a:t>
             </a:fld>
             <a:endParaRPr lang="en-US"/>
           </a:p>
@@ -715,7 +715,7 @@
           <a:p>
             <a:fld id="{B6D41BCC-AD73-4203-A5A6-E62EB28B0FE6}" type="datetimeFigureOut">
               <a:rPr lang="en-US" smtClean="0"/>
-              <a:t>10/7/2023</a:t>
+              <a:t>10/15/2024</a:t>
             </a:fld>
             <a:endParaRPr lang="en-US"/>
           </a:p>
@@ -913,7 +913,7 @@
           <a:p>
             <a:fld id="{B6D41BCC-AD73-4203-A5A6-E62EB28B0FE6}" type="datetimeFigureOut">
               <a:rPr lang="en-US" smtClean="0"/>
-              <a:t>10/7/2023</a:t>
+              <a:t>10/15/2024</a:t>
             </a:fld>
             <a:endParaRPr lang="en-US"/>
           </a:p>
@@ -1284,7 +1284,7 @@
           <a:p>
             <a:fld id="{B6D41BCC-AD73-4203-A5A6-E62EB28B0FE6}" type="datetimeFigureOut">
               <a:rPr lang="en-US" smtClean="0"/>
-              <a:t>10/7/2023</a:t>
+              <a:t>10/15/2024</a:t>
             </a:fld>
             <a:endParaRPr lang="en-US"/>
           </a:p>
@@ -1554,7 +1554,7 @@
           <a:p>
             <a:fld id="{B6D41BCC-AD73-4203-A5A6-E62EB28B0FE6}" type="datetimeFigureOut">
               <a:rPr lang="en-US" smtClean="0"/>
-              <a:t>10/7/2023</a:t>
+              <a:t>10/15/2024</a:t>
             </a:fld>
             <a:endParaRPr lang="en-US"/>
           </a:p>
@@ -1970,7 +1970,7 @@
           <a:p>
             <a:fld id="{B6D41BCC-AD73-4203-A5A6-E62EB28B0FE6}" type="datetimeFigureOut">
               <a:rPr lang="en-US" smtClean="0"/>
-              <a:t>10/7/2023</a:t>
+              <a:t>10/15/2024</a:t>
             </a:fld>
             <a:endParaRPr lang="en-US"/>
           </a:p>
@@ -2111,7 +2111,7 @@
           <a:p>
             <a:fld id="{B6D41BCC-AD73-4203-A5A6-E62EB28B0FE6}" type="datetimeFigureOut">
               <a:rPr lang="en-US" smtClean="0"/>
-              <a:t>10/7/2023</a:t>
+              <a:t>10/15/2024</a:t>
             </a:fld>
             <a:endParaRPr lang="en-US"/>
           </a:p>
@@ -2224,7 +2224,7 @@
           <a:p>
             <a:fld id="{B6D41BCC-AD73-4203-A5A6-E62EB28B0FE6}" type="datetimeFigureOut">
               <a:rPr lang="en-US" smtClean="0"/>
-              <a:t>10/7/2023</a:t>
+              <a:t>10/15/2024</a:t>
             </a:fld>
             <a:endParaRPr lang="en-US"/>
           </a:p>
@@ -2550,7 +2550,7 @@
           <a:p>
             <a:fld id="{B6D41BCC-AD73-4203-A5A6-E62EB28B0FE6}" type="datetimeFigureOut">
               <a:rPr lang="en-US" smtClean="0"/>
-              <a:t>10/7/2023</a:t>
+              <a:t>10/15/2024</a:t>
             </a:fld>
             <a:endParaRPr lang="en-US"/>
           </a:p>
@@ -2838,7 +2838,7 @@
           <a:p>
             <a:fld id="{B6D41BCC-AD73-4203-A5A6-E62EB28B0FE6}" type="datetimeFigureOut">
               <a:rPr lang="en-US" smtClean="0"/>
-              <a:t>10/7/2023</a:t>
+              <a:t>10/15/2024</a:t>
             </a:fld>
             <a:endParaRPr lang="en-US"/>
           </a:p>
@@ -3078,7 +3078,7 @@
             <a:fld id="{B6D41BCC-AD73-4203-A5A6-E62EB28B0FE6}" type="datetimeFigureOut">
               <a:rPr lang="en-US" smtClean="0"/>
               <a:pPr/>
-              <a:t>10/7/2023</a:t>
+              <a:t>10/15/2024</a:t>
             </a:fld>
             <a:endParaRPr lang="en-US"/>
           </a:p>
@@ -3508,7 +3508,7 @@
                 <a16:creationId xmlns:a16="http://schemas.microsoft.com/office/drawing/2014/main" id="{BE229233-9672-4675-99B7-6CBCEF1CD415}"/>
               </a:ext>
               <a:ext uri="{C183D7F6-B498-43B3-948B-1728B52AA6E4}">
-                <adec:decorative xmlns:adec="http://schemas.microsoft.com/office/drawing/2017/decorative" xmlns="" val="1"/>
+                <adec:decorative xmlns="" xmlns:adec="http://schemas.microsoft.com/office/drawing/2017/decorative" val="1"/>
               </a:ext>
             </a:extLst>
           </p:cNvPr>
@@ -3603,7 +3603,7 @@
                 <a16:creationId xmlns:a16="http://schemas.microsoft.com/office/drawing/2014/main" id="{EC5FF010-B53C-46BE-BEEF-AF926A00F67F}"/>
               </a:ext>
               <a:ext uri="{C183D7F6-B498-43B3-948B-1728B52AA6E4}">
-                <adec:decorative xmlns:adec="http://schemas.microsoft.com/office/drawing/2017/decorative" xmlns="" val="1"/>
+                <adec:decorative xmlns="" xmlns:adec="http://schemas.microsoft.com/office/drawing/2017/decorative" val="1"/>
               </a:ext>
             </a:extLst>
           </p:cNvPr>
@@ -3669,7 +3669,7 @@
                 <a16:creationId xmlns:a16="http://schemas.microsoft.com/office/drawing/2014/main" id="{8509AD9C-1F43-4138-A72B-8CA988EDD475}"/>
               </a:ext>
               <a:ext uri="{C183D7F6-B498-43B3-948B-1728B52AA6E4}">
-                <adec:decorative xmlns:adec="http://schemas.microsoft.com/office/drawing/2017/decorative" xmlns="" val="1"/>
+                <adec:decorative xmlns="" xmlns:adec="http://schemas.microsoft.com/office/drawing/2017/decorative" val="1"/>
               </a:ext>
             </a:extLst>
           </p:cNvPr>
@@ -4018,7 +4018,7 @@
                 <a16:creationId xmlns:a16="http://schemas.microsoft.com/office/drawing/2014/main" id="{BE229233-9672-4675-99B7-6CBCEF1CD415}"/>
               </a:ext>
               <a:ext uri="{C183D7F6-B498-43B3-948B-1728B52AA6E4}">
-                <adec:decorative xmlns:adec="http://schemas.microsoft.com/office/drawing/2017/decorative" xmlns="" val="1"/>
+                <adec:decorative xmlns="" xmlns:adec="http://schemas.microsoft.com/office/drawing/2017/decorative" val="1"/>
               </a:ext>
             </a:extLst>
           </p:cNvPr>
@@ -4113,7 +4113,7 @@
                 <a16:creationId xmlns:a16="http://schemas.microsoft.com/office/drawing/2014/main" id="{EC5FF010-B53C-46BE-BEEF-AF926A00F67F}"/>
               </a:ext>
               <a:ext uri="{C183D7F6-B498-43B3-948B-1728B52AA6E4}">
-                <adec:decorative xmlns:adec="http://schemas.microsoft.com/office/drawing/2017/decorative" xmlns="" val="1"/>
+                <adec:decorative xmlns="" xmlns:adec="http://schemas.microsoft.com/office/drawing/2017/decorative" val="1"/>
               </a:ext>
             </a:extLst>
           </p:cNvPr>
@@ -4179,7 +4179,7 @@
                 <a16:creationId xmlns:a16="http://schemas.microsoft.com/office/drawing/2014/main" id="{8509AD9C-1F43-4138-A72B-8CA988EDD475}"/>
               </a:ext>
               <a:ext uri="{C183D7F6-B498-43B3-948B-1728B52AA6E4}">
-                <adec:decorative xmlns:adec="http://schemas.microsoft.com/office/drawing/2017/decorative" xmlns="" val="1"/>
+                <adec:decorative xmlns="" xmlns:adec="http://schemas.microsoft.com/office/drawing/2017/decorative" val="1"/>
               </a:ext>
             </a:extLst>
           </p:cNvPr>
@@ -4860,7 +4860,7 @@
                 <a16:creationId xmlns:a16="http://schemas.microsoft.com/office/drawing/2014/main" id="{BE229233-9672-4675-99B7-6CBCEF1CD415}"/>
               </a:ext>
               <a:ext uri="{C183D7F6-B498-43B3-948B-1728B52AA6E4}">
-                <adec:decorative xmlns:adec="http://schemas.microsoft.com/office/drawing/2017/decorative" xmlns="" val="1"/>
+                <adec:decorative xmlns="" xmlns:adec="http://schemas.microsoft.com/office/drawing/2017/decorative" val="1"/>
               </a:ext>
             </a:extLst>
           </p:cNvPr>
@@ -4955,7 +4955,7 @@
                 <a16:creationId xmlns:a16="http://schemas.microsoft.com/office/drawing/2014/main" id="{EC5FF010-B53C-46BE-BEEF-AF926A00F67F}"/>
               </a:ext>
               <a:ext uri="{C183D7F6-B498-43B3-948B-1728B52AA6E4}">
-                <adec:decorative xmlns:adec="http://schemas.microsoft.com/office/drawing/2017/decorative" xmlns="" val="1"/>
+                <adec:decorative xmlns="" xmlns:adec="http://schemas.microsoft.com/office/drawing/2017/decorative" val="1"/>
               </a:ext>
             </a:extLst>
           </p:cNvPr>
@@ -5021,7 +5021,7 @@
                 <a16:creationId xmlns:a16="http://schemas.microsoft.com/office/drawing/2014/main" id="{8509AD9C-1F43-4138-A72B-8CA988EDD475}"/>
               </a:ext>
               <a:ext uri="{C183D7F6-B498-43B3-948B-1728B52AA6E4}">
-                <adec:decorative xmlns:adec="http://schemas.microsoft.com/office/drawing/2017/decorative" xmlns="" val="1"/>
+                <adec:decorative xmlns="" xmlns:adec="http://schemas.microsoft.com/office/drawing/2017/decorative" val="1"/>
               </a:ext>
             </a:extLst>
           </p:cNvPr>
@@ -10264,11 +10264,7 @@
           <a:p>
             <a:r>
               <a:rPr lang="de-AT" dirty="0" smtClean="0"/>
-              <a:t>Schreibe CSS Code um das Bild unterhalb zu </a:t>
-            </a:r>
-            <a:r>
-              <a:rPr lang="de-AT" dirty="0" smtClean="0"/>
-              <a:t>erzielen</a:t>
+              <a:t>Schreibe CSS Code um das Bild unterhalb zu erzielen</a:t>
             </a:r>
           </a:p>
           <a:p>
@@ -10547,7 +10543,7 @@
                 <a16:creationId xmlns:a16="http://schemas.microsoft.com/office/drawing/2014/main" id="{BE229233-9672-4675-99B7-6CBCEF1CD415}"/>
               </a:ext>
               <a:ext uri="{C183D7F6-B498-43B3-948B-1728B52AA6E4}">
-                <adec:decorative xmlns:adec="http://schemas.microsoft.com/office/drawing/2017/decorative" xmlns="" val="1"/>
+                <adec:decorative xmlns="" xmlns:adec="http://schemas.microsoft.com/office/drawing/2017/decorative" val="1"/>
               </a:ext>
             </a:extLst>
           </p:cNvPr>
@@ -10642,7 +10638,7 @@
                 <a16:creationId xmlns:a16="http://schemas.microsoft.com/office/drawing/2014/main" id="{EC5FF010-B53C-46BE-BEEF-AF926A00F67F}"/>
               </a:ext>
               <a:ext uri="{C183D7F6-B498-43B3-948B-1728B52AA6E4}">
-                <adec:decorative xmlns:adec="http://schemas.microsoft.com/office/drawing/2017/decorative" xmlns="" val="1"/>
+                <adec:decorative xmlns="" xmlns:adec="http://schemas.microsoft.com/office/drawing/2017/decorative" val="1"/>
               </a:ext>
             </a:extLst>
           </p:cNvPr>
@@ -10708,7 +10704,7 @@
                 <a16:creationId xmlns:a16="http://schemas.microsoft.com/office/drawing/2014/main" id="{8509AD9C-1F43-4138-A72B-8CA988EDD475}"/>
               </a:ext>
               <a:ext uri="{C183D7F6-B498-43B3-948B-1728B52AA6E4}">
-                <adec:decorative xmlns:adec="http://schemas.microsoft.com/office/drawing/2017/decorative" xmlns="" val="1"/>
+                <adec:decorative xmlns="" xmlns:adec="http://schemas.microsoft.com/office/drawing/2017/decorative" val="1"/>
               </a:ext>
             </a:extLst>
           </p:cNvPr>
@@ -12482,7 +12478,7 @@
                 <a16:creationId xmlns:a16="http://schemas.microsoft.com/office/drawing/2014/main" id="{BE229233-9672-4675-99B7-6CBCEF1CD415}"/>
               </a:ext>
               <a:ext uri="{C183D7F6-B498-43B3-948B-1728B52AA6E4}">
-                <adec:decorative xmlns:adec="http://schemas.microsoft.com/office/drawing/2017/decorative" xmlns="" val="1"/>
+                <adec:decorative xmlns="" xmlns:adec="http://schemas.microsoft.com/office/drawing/2017/decorative" val="1"/>
               </a:ext>
             </a:extLst>
           </p:cNvPr>
@@ -12577,7 +12573,7 @@
                 <a16:creationId xmlns:a16="http://schemas.microsoft.com/office/drawing/2014/main" id="{EC5FF010-B53C-46BE-BEEF-AF926A00F67F}"/>
               </a:ext>
               <a:ext uri="{C183D7F6-B498-43B3-948B-1728B52AA6E4}">
-                <adec:decorative xmlns:adec="http://schemas.microsoft.com/office/drawing/2017/decorative" xmlns="" val="1"/>
+                <adec:decorative xmlns="" xmlns:adec="http://schemas.microsoft.com/office/drawing/2017/decorative" val="1"/>
               </a:ext>
             </a:extLst>
           </p:cNvPr>
@@ -12643,7 +12639,7 @@
                 <a16:creationId xmlns:a16="http://schemas.microsoft.com/office/drawing/2014/main" id="{8509AD9C-1F43-4138-A72B-8CA988EDD475}"/>
               </a:ext>
               <a:ext uri="{C183D7F6-B498-43B3-948B-1728B52AA6E4}">
-                <adec:decorative xmlns:adec="http://schemas.microsoft.com/office/drawing/2017/decorative" xmlns="" val="1"/>
+                <adec:decorative xmlns="" xmlns:adec="http://schemas.microsoft.com/office/drawing/2017/decorative" val="1"/>
               </a:ext>
             </a:extLst>
           </p:cNvPr>
@@ -14015,7 +14011,7 @@
         </p:spPr>
         <p:txBody>
           <a:bodyPr>
-            <a:normAutofit lnSpcReduction="10000"/>
+            <a:normAutofit/>
           </a:bodyPr>
           <a:lstStyle/>
           <a:p>
@@ -14067,42 +14063,17 @@
             </a:r>
             <a:r>
               <a:rPr lang="de-DE" dirty="0" smtClean="0"/>
-              <a:t>löcke untereinander bei schmaler Bildschirm-Breite)</a:t>
+              <a:t>löcke untereinander bei schmaler </a:t>
+            </a:r>
+            <a:r>
+              <a:rPr lang="de-DE" smtClean="0"/>
+              <a:t>Bildschirm-Breite</a:t>
+            </a:r>
+            <a:r>
+              <a:rPr lang="de-DE" smtClean="0"/>
+              <a:t>)</a:t>
             </a:r>
             <a:endParaRPr lang="en-US" dirty="0" smtClean="0"/>
-          </a:p>
-          <a:p>
-            <a:r>
-              <a:rPr lang="en-US" dirty="0" err="1" smtClean="0"/>
-              <a:t>Lösungsurl</a:t>
-            </a:r>
-            <a:r>
-              <a:rPr lang="en-US" dirty="0" smtClean="0"/>
-              <a:t>: </a:t>
-            </a:r>
-            <a:r>
-              <a:rPr lang="en-US" dirty="0" smtClean="0">
-                <a:hlinkClick r:id="rId2"/>
-              </a:rPr>
-              <a:t>https</a:t>
-            </a:r>
-            <a:r>
-              <a:rPr lang="en-US" dirty="0">
-                <a:hlinkClick r:id="rId2"/>
-              </a:rPr>
-              <a:t>://holdo89.github.io/Web-Design-Agency-Project</a:t>
-            </a:r>
-            <a:r>
-              <a:rPr lang="en-US" dirty="0" smtClean="0">
-                <a:hlinkClick r:id="rId2"/>
-              </a:rPr>
-              <a:t>/</a:t>
-            </a:r>
-            <a:r>
-              <a:rPr lang="en-US" dirty="0" smtClean="0"/>
-              <a:t> </a:t>
-            </a:r>
-            <a:endParaRPr lang="de-DE" dirty="0" smtClean="0"/>
           </a:p>
         </p:txBody>
       </p:sp>
@@ -14115,7 +14086,7 @@
           <p:nvPr/>
         </p:nvPicPr>
         <p:blipFill>
-          <a:blip r:embed="rId3"/>
+          <a:blip r:embed="rId2"/>
           <a:stretch>
             <a:fillRect/>
           </a:stretch>

--- a/3. CSS/Slides/CSS Grundlagen 2.pptx
+++ b/3. CSS/Slides/CSS Grundlagen 2.pptx
@@ -299,7 +299,7 @@
           <a:p>
             <a:fld id="{B6D41BCC-AD73-4203-A5A6-E62EB28B0FE6}" type="datetimeFigureOut">
               <a:rPr lang="en-US" smtClean="0"/>
-              <a:t>10/15/2024</a:t>
+              <a:t>10/7/2023</a:t>
             </a:fld>
             <a:endParaRPr lang="en-US"/>
           </a:p>
@@ -507,7 +507,7 @@
           <a:p>
             <a:fld id="{B6D41BCC-AD73-4203-A5A6-E62EB28B0FE6}" type="datetimeFigureOut">
               <a:rPr lang="en-US" smtClean="0"/>
-              <a:t>10/15/2024</a:t>
+              <a:t>10/7/2023</a:t>
             </a:fld>
             <a:endParaRPr lang="en-US"/>
           </a:p>
@@ -715,7 +715,7 @@
           <a:p>
             <a:fld id="{B6D41BCC-AD73-4203-A5A6-E62EB28B0FE6}" type="datetimeFigureOut">
               <a:rPr lang="en-US" smtClean="0"/>
-              <a:t>10/15/2024</a:t>
+              <a:t>10/7/2023</a:t>
             </a:fld>
             <a:endParaRPr lang="en-US"/>
           </a:p>
@@ -913,7 +913,7 @@
           <a:p>
             <a:fld id="{B6D41BCC-AD73-4203-A5A6-E62EB28B0FE6}" type="datetimeFigureOut">
               <a:rPr lang="en-US" smtClean="0"/>
-              <a:t>10/15/2024</a:t>
+              <a:t>10/7/2023</a:t>
             </a:fld>
             <a:endParaRPr lang="en-US"/>
           </a:p>
@@ -1284,7 +1284,7 @@
           <a:p>
             <a:fld id="{B6D41BCC-AD73-4203-A5A6-E62EB28B0FE6}" type="datetimeFigureOut">
               <a:rPr lang="en-US" smtClean="0"/>
-              <a:t>10/15/2024</a:t>
+              <a:t>10/7/2023</a:t>
             </a:fld>
             <a:endParaRPr lang="en-US"/>
           </a:p>
@@ -1554,7 +1554,7 @@
           <a:p>
             <a:fld id="{B6D41BCC-AD73-4203-A5A6-E62EB28B0FE6}" type="datetimeFigureOut">
               <a:rPr lang="en-US" smtClean="0"/>
-              <a:t>10/15/2024</a:t>
+              <a:t>10/7/2023</a:t>
             </a:fld>
             <a:endParaRPr lang="en-US"/>
           </a:p>
@@ -1970,7 +1970,7 @@
           <a:p>
             <a:fld id="{B6D41BCC-AD73-4203-A5A6-E62EB28B0FE6}" type="datetimeFigureOut">
               <a:rPr lang="en-US" smtClean="0"/>
-              <a:t>10/15/2024</a:t>
+              <a:t>10/7/2023</a:t>
             </a:fld>
             <a:endParaRPr lang="en-US"/>
           </a:p>
@@ -2111,7 +2111,7 @@
           <a:p>
             <a:fld id="{B6D41BCC-AD73-4203-A5A6-E62EB28B0FE6}" type="datetimeFigureOut">
               <a:rPr lang="en-US" smtClean="0"/>
-              <a:t>10/15/2024</a:t>
+              <a:t>10/7/2023</a:t>
             </a:fld>
             <a:endParaRPr lang="en-US"/>
           </a:p>
@@ -2224,7 +2224,7 @@
           <a:p>
             <a:fld id="{B6D41BCC-AD73-4203-A5A6-E62EB28B0FE6}" type="datetimeFigureOut">
               <a:rPr lang="en-US" smtClean="0"/>
-              <a:t>10/15/2024</a:t>
+              <a:t>10/7/2023</a:t>
             </a:fld>
             <a:endParaRPr lang="en-US"/>
           </a:p>
@@ -2550,7 +2550,7 @@
           <a:p>
             <a:fld id="{B6D41BCC-AD73-4203-A5A6-E62EB28B0FE6}" type="datetimeFigureOut">
               <a:rPr lang="en-US" smtClean="0"/>
-              <a:t>10/15/2024</a:t>
+              <a:t>10/7/2023</a:t>
             </a:fld>
             <a:endParaRPr lang="en-US"/>
           </a:p>
@@ -2838,7 +2838,7 @@
           <a:p>
             <a:fld id="{B6D41BCC-AD73-4203-A5A6-E62EB28B0FE6}" type="datetimeFigureOut">
               <a:rPr lang="en-US" smtClean="0"/>
-              <a:t>10/15/2024</a:t>
+              <a:t>10/7/2023</a:t>
             </a:fld>
             <a:endParaRPr lang="en-US"/>
           </a:p>
@@ -3078,7 +3078,7 @@
             <a:fld id="{B6D41BCC-AD73-4203-A5A6-E62EB28B0FE6}" type="datetimeFigureOut">
               <a:rPr lang="en-US" smtClean="0"/>
               <a:pPr/>
-              <a:t>10/15/2024</a:t>
+              <a:t>10/7/2023</a:t>
             </a:fld>
             <a:endParaRPr lang="en-US"/>
           </a:p>
@@ -3508,7 +3508,7 @@
                 <a16:creationId xmlns:a16="http://schemas.microsoft.com/office/drawing/2014/main" id="{BE229233-9672-4675-99B7-6CBCEF1CD415}"/>
               </a:ext>
               <a:ext uri="{C183D7F6-B498-43B3-948B-1728B52AA6E4}">
-                <adec:decorative xmlns="" xmlns:adec="http://schemas.microsoft.com/office/drawing/2017/decorative" val="1"/>
+                <adec:decorative xmlns:adec="http://schemas.microsoft.com/office/drawing/2017/decorative" xmlns="" val="1"/>
               </a:ext>
             </a:extLst>
           </p:cNvPr>
@@ -3603,7 +3603,7 @@
                 <a16:creationId xmlns:a16="http://schemas.microsoft.com/office/drawing/2014/main" id="{EC5FF010-B53C-46BE-BEEF-AF926A00F67F}"/>
               </a:ext>
               <a:ext uri="{C183D7F6-B498-43B3-948B-1728B52AA6E4}">
-                <adec:decorative xmlns="" xmlns:adec="http://schemas.microsoft.com/office/drawing/2017/decorative" val="1"/>
+                <adec:decorative xmlns:adec="http://schemas.microsoft.com/office/drawing/2017/decorative" xmlns="" val="1"/>
               </a:ext>
             </a:extLst>
           </p:cNvPr>
@@ -3669,7 +3669,7 @@
                 <a16:creationId xmlns:a16="http://schemas.microsoft.com/office/drawing/2014/main" id="{8509AD9C-1F43-4138-A72B-8CA988EDD475}"/>
               </a:ext>
               <a:ext uri="{C183D7F6-B498-43B3-948B-1728B52AA6E4}">
-                <adec:decorative xmlns="" xmlns:adec="http://schemas.microsoft.com/office/drawing/2017/decorative" val="1"/>
+                <adec:decorative xmlns:adec="http://schemas.microsoft.com/office/drawing/2017/decorative" xmlns="" val="1"/>
               </a:ext>
             </a:extLst>
           </p:cNvPr>
@@ -4018,7 +4018,7 @@
                 <a16:creationId xmlns:a16="http://schemas.microsoft.com/office/drawing/2014/main" id="{BE229233-9672-4675-99B7-6CBCEF1CD415}"/>
               </a:ext>
               <a:ext uri="{C183D7F6-B498-43B3-948B-1728B52AA6E4}">
-                <adec:decorative xmlns="" xmlns:adec="http://schemas.microsoft.com/office/drawing/2017/decorative" val="1"/>
+                <adec:decorative xmlns:adec="http://schemas.microsoft.com/office/drawing/2017/decorative" xmlns="" val="1"/>
               </a:ext>
             </a:extLst>
           </p:cNvPr>
@@ -4113,7 +4113,7 @@
                 <a16:creationId xmlns:a16="http://schemas.microsoft.com/office/drawing/2014/main" id="{EC5FF010-B53C-46BE-BEEF-AF926A00F67F}"/>
               </a:ext>
               <a:ext uri="{C183D7F6-B498-43B3-948B-1728B52AA6E4}">
-                <adec:decorative xmlns="" xmlns:adec="http://schemas.microsoft.com/office/drawing/2017/decorative" val="1"/>
+                <adec:decorative xmlns:adec="http://schemas.microsoft.com/office/drawing/2017/decorative" xmlns="" val="1"/>
               </a:ext>
             </a:extLst>
           </p:cNvPr>
@@ -4179,7 +4179,7 @@
                 <a16:creationId xmlns:a16="http://schemas.microsoft.com/office/drawing/2014/main" id="{8509AD9C-1F43-4138-A72B-8CA988EDD475}"/>
               </a:ext>
               <a:ext uri="{C183D7F6-B498-43B3-948B-1728B52AA6E4}">
-                <adec:decorative xmlns="" xmlns:adec="http://schemas.microsoft.com/office/drawing/2017/decorative" val="1"/>
+                <adec:decorative xmlns:adec="http://schemas.microsoft.com/office/drawing/2017/decorative" xmlns="" val="1"/>
               </a:ext>
             </a:extLst>
           </p:cNvPr>
@@ -4860,7 +4860,7 @@
                 <a16:creationId xmlns:a16="http://schemas.microsoft.com/office/drawing/2014/main" id="{BE229233-9672-4675-99B7-6CBCEF1CD415}"/>
               </a:ext>
               <a:ext uri="{C183D7F6-B498-43B3-948B-1728B52AA6E4}">
-                <adec:decorative xmlns="" xmlns:adec="http://schemas.microsoft.com/office/drawing/2017/decorative" val="1"/>
+                <adec:decorative xmlns:adec="http://schemas.microsoft.com/office/drawing/2017/decorative" xmlns="" val="1"/>
               </a:ext>
             </a:extLst>
           </p:cNvPr>
@@ -4955,7 +4955,7 @@
                 <a16:creationId xmlns:a16="http://schemas.microsoft.com/office/drawing/2014/main" id="{EC5FF010-B53C-46BE-BEEF-AF926A00F67F}"/>
               </a:ext>
               <a:ext uri="{C183D7F6-B498-43B3-948B-1728B52AA6E4}">
-                <adec:decorative xmlns="" xmlns:adec="http://schemas.microsoft.com/office/drawing/2017/decorative" val="1"/>
+                <adec:decorative xmlns:adec="http://schemas.microsoft.com/office/drawing/2017/decorative" xmlns="" val="1"/>
               </a:ext>
             </a:extLst>
           </p:cNvPr>
@@ -5021,7 +5021,7 @@
                 <a16:creationId xmlns:a16="http://schemas.microsoft.com/office/drawing/2014/main" id="{8509AD9C-1F43-4138-A72B-8CA988EDD475}"/>
               </a:ext>
               <a:ext uri="{C183D7F6-B498-43B3-948B-1728B52AA6E4}">
-                <adec:decorative xmlns="" xmlns:adec="http://schemas.microsoft.com/office/drawing/2017/decorative" val="1"/>
+                <adec:decorative xmlns:adec="http://schemas.microsoft.com/office/drawing/2017/decorative" xmlns="" val="1"/>
               </a:ext>
             </a:extLst>
           </p:cNvPr>
@@ -10264,7 +10264,11 @@
           <a:p>
             <a:r>
               <a:rPr lang="de-AT" dirty="0" smtClean="0"/>
-              <a:t>Schreibe CSS Code um das Bild unterhalb zu erzielen</a:t>
+              <a:t>Schreibe CSS Code um das Bild unterhalb zu </a:t>
+            </a:r>
+            <a:r>
+              <a:rPr lang="de-AT" dirty="0" smtClean="0"/>
+              <a:t>erzielen</a:t>
             </a:r>
           </a:p>
           <a:p>
@@ -10543,7 +10547,7 @@
                 <a16:creationId xmlns:a16="http://schemas.microsoft.com/office/drawing/2014/main" id="{BE229233-9672-4675-99B7-6CBCEF1CD415}"/>
               </a:ext>
               <a:ext uri="{C183D7F6-B498-43B3-948B-1728B52AA6E4}">
-                <adec:decorative xmlns="" xmlns:adec="http://schemas.microsoft.com/office/drawing/2017/decorative" val="1"/>
+                <adec:decorative xmlns:adec="http://schemas.microsoft.com/office/drawing/2017/decorative" xmlns="" val="1"/>
               </a:ext>
             </a:extLst>
           </p:cNvPr>
@@ -10638,7 +10642,7 @@
                 <a16:creationId xmlns:a16="http://schemas.microsoft.com/office/drawing/2014/main" id="{EC5FF010-B53C-46BE-BEEF-AF926A00F67F}"/>
               </a:ext>
               <a:ext uri="{C183D7F6-B498-43B3-948B-1728B52AA6E4}">
-                <adec:decorative xmlns="" xmlns:adec="http://schemas.microsoft.com/office/drawing/2017/decorative" val="1"/>
+                <adec:decorative xmlns:adec="http://schemas.microsoft.com/office/drawing/2017/decorative" xmlns="" val="1"/>
               </a:ext>
             </a:extLst>
           </p:cNvPr>
@@ -10704,7 +10708,7 @@
                 <a16:creationId xmlns:a16="http://schemas.microsoft.com/office/drawing/2014/main" id="{8509AD9C-1F43-4138-A72B-8CA988EDD475}"/>
               </a:ext>
               <a:ext uri="{C183D7F6-B498-43B3-948B-1728B52AA6E4}">
-                <adec:decorative xmlns="" xmlns:adec="http://schemas.microsoft.com/office/drawing/2017/decorative" val="1"/>
+                <adec:decorative xmlns:adec="http://schemas.microsoft.com/office/drawing/2017/decorative" xmlns="" val="1"/>
               </a:ext>
             </a:extLst>
           </p:cNvPr>
@@ -12478,7 +12482,7 @@
                 <a16:creationId xmlns:a16="http://schemas.microsoft.com/office/drawing/2014/main" id="{BE229233-9672-4675-99B7-6CBCEF1CD415}"/>
               </a:ext>
               <a:ext uri="{C183D7F6-B498-43B3-948B-1728B52AA6E4}">
-                <adec:decorative xmlns="" xmlns:adec="http://schemas.microsoft.com/office/drawing/2017/decorative" val="1"/>
+                <adec:decorative xmlns:adec="http://schemas.microsoft.com/office/drawing/2017/decorative" xmlns="" val="1"/>
               </a:ext>
             </a:extLst>
           </p:cNvPr>
@@ -12573,7 +12577,7 @@
                 <a16:creationId xmlns:a16="http://schemas.microsoft.com/office/drawing/2014/main" id="{EC5FF010-B53C-46BE-BEEF-AF926A00F67F}"/>
               </a:ext>
               <a:ext uri="{C183D7F6-B498-43B3-948B-1728B52AA6E4}">
-                <adec:decorative xmlns="" xmlns:adec="http://schemas.microsoft.com/office/drawing/2017/decorative" val="1"/>
+                <adec:decorative xmlns:adec="http://schemas.microsoft.com/office/drawing/2017/decorative" xmlns="" val="1"/>
               </a:ext>
             </a:extLst>
           </p:cNvPr>
@@ -12639,7 +12643,7 @@
                 <a16:creationId xmlns:a16="http://schemas.microsoft.com/office/drawing/2014/main" id="{8509AD9C-1F43-4138-A72B-8CA988EDD475}"/>
               </a:ext>
               <a:ext uri="{C183D7F6-B498-43B3-948B-1728B52AA6E4}">
-                <adec:decorative xmlns="" xmlns:adec="http://schemas.microsoft.com/office/drawing/2017/decorative" val="1"/>
+                <adec:decorative xmlns:adec="http://schemas.microsoft.com/office/drawing/2017/decorative" xmlns="" val="1"/>
               </a:ext>
             </a:extLst>
           </p:cNvPr>
@@ -14011,7 +14015,7 @@
         </p:spPr>
         <p:txBody>
           <a:bodyPr>
-            <a:normAutofit/>
+            <a:normAutofit lnSpcReduction="10000"/>
           </a:bodyPr>
           <a:lstStyle/>
           <a:p>
@@ -14063,17 +14067,42 @@
             </a:r>
             <a:r>
               <a:rPr lang="de-DE" dirty="0" smtClean="0"/>
-              <a:t>löcke untereinander bei schmaler </a:t>
-            </a:r>
-            <a:r>
-              <a:rPr lang="de-DE" smtClean="0"/>
-              <a:t>Bildschirm-Breite</a:t>
-            </a:r>
-            <a:r>
-              <a:rPr lang="de-DE" smtClean="0"/>
-              <a:t>)</a:t>
+              <a:t>löcke untereinander bei schmaler Bildschirm-Breite)</a:t>
             </a:r>
             <a:endParaRPr lang="en-US" dirty="0" smtClean="0"/>
+          </a:p>
+          <a:p>
+            <a:r>
+              <a:rPr lang="en-US" dirty="0" err="1" smtClean="0"/>
+              <a:t>Lösungsurl</a:t>
+            </a:r>
+            <a:r>
+              <a:rPr lang="en-US" dirty="0" smtClean="0"/>
+              <a:t>: </a:t>
+            </a:r>
+            <a:r>
+              <a:rPr lang="en-US" dirty="0" smtClean="0">
+                <a:hlinkClick r:id="rId2"/>
+              </a:rPr>
+              <a:t>https</a:t>
+            </a:r>
+            <a:r>
+              <a:rPr lang="en-US" dirty="0">
+                <a:hlinkClick r:id="rId2"/>
+              </a:rPr>
+              <a:t>://holdo89.github.io/Web-Design-Agency-Project</a:t>
+            </a:r>
+            <a:r>
+              <a:rPr lang="en-US" dirty="0" smtClean="0">
+                <a:hlinkClick r:id="rId2"/>
+              </a:rPr>
+              <a:t>/</a:t>
+            </a:r>
+            <a:r>
+              <a:rPr lang="en-US" dirty="0" smtClean="0"/>
+              <a:t> </a:t>
+            </a:r>
+            <a:endParaRPr lang="de-DE" dirty="0" smtClean="0"/>
           </a:p>
         </p:txBody>
       </p:sp>
@@ -14086,7 +14115,7 @@
           <p:nvPr/>
         </p:nvPicPr>
         <p:blipFill>
-          <a:blip r:embed="rId2"/>
+          <a:blip r:embed="rId3"/>
           <a:stretch>
             <a:fillRect/>
           </a:stretch>
